--- a/figs/fig_1.pptx
+++ b/figs/fig_1.pptx
@@ -256,7 +256,7 @@
           <a:p>
             <a:fld id="{2FF26C87-47E8-FA48-BED7-177662A1080F}" type="datetimeFigureOut">
               <a:rPr lang="en-US" smtClean="0"/>
-              <a:t>6/29/20</a:t>
+              <a:t>7/1/20</a:t>
             </a:fld>
             <a:endParaRPr lang="en-US"/>
           </a:p>
@@ -426,7 +426,7 @@
           <a:p>
             <a:fld id="{2FF26C87-47E8-FA48-BED7-177662A1080F}" type="datetimeFigureOut">
               <a:rPr lang="en-US" smtClean="0"/>
-              <a:t>6/29/20</a:t>
+              <a:t>7/1/20</a:t>
             </a:fld>
             <a:endParaRPr lang="en-US"/>
           </a:p>
@@ -606,7 +606,7 @@
           <a:p>
             <a:fld id="{2FF26C87-47E8-FA48-BED7-177662A1080F}" type="datetimeFigureOut">
               <a:rPr lang="en-US" smtClean="0"/>
-              <a:t>6/29/20</a:t>
+              <a:t>7/1/20</a:t>
             </a:fld>
             <a:endParaRPr lang="en-US"/>
           </a:p>
@@ -776,7 +776,7 @@
           <a:p>
             <a:fld id="{2FF26C87-47E8-FA48-BED7-177662A1080F}" type="datetimeFigureOut">
               <a:rPr lang="en-US" smtClean="0"/>
-              <a:t>6/29/20</a:t>
+              <a:t>7/1/20</a:t>
             </a:fld>
             <a:endParaRPr lang="en-US"/>
           </a:p>
@@ -1020,7 +1020,7 @@
           <a:p>
             <a:fld id="{2FF26C87-47E8-FA48-BED7-177662A1080F}" type="datetimeFigureOut">
               <a:rPr lang="en-US" smtClean="0"/>
-              <a:t>6/29/20</a:t>
+              <a:t>7/1/20</a:t>
             </a:fld>
             <a:endParaRPr lang="en-US"/>
           </a:p>
@@ -1252,7 +1252,7 @@
           <a:p>
             <a:fld id="{2FF26C87-47E8-FA48-BED7-177662A1080F}" type="datetimeFigureOut">
               <a:rPr lang="en-US" smtClean="0"/>
-              <a:t>6/29/20</a:t>
+              <a:t>7/1/20</a:t>
             </a:fld>
             <a:endParaRPr lang="en-US"/>
           </a:p>
@@ -1619,7 +1619,7 @@
           <a:p>
             <a:fld id="{2FF26C87-47E8-FA48-BED7-177662A1080F}" type="datetimeFigureOut">
               <a:rPr lang="en-US" smtClean="0"/>
-              <a:t>6/29/20</a:t>
+              <a:t>7/1/20</a:t>
             </a:fld>
             <a:endParaRPr lang="en-US"/>
           </a:p>
@@ -1737,7 +1737,7 @@
           <a:p>
             <a:fld id="{2FF26C87-47E8-FA48-BED7-177662A1080F}" type="datetimeFigureOut">
               <a:rPr lang="en-US" smtClean="0"/>
-              <a:t>6/29/20</a:t>
+              <a:t>7/1/20</a:t>
             </a:fld>
             <a:endParaRPr lang="en-US"/>
           </a:p>
@@ -1832,7 +1832,7 @@
           <a:p>
             <a:fld id="{2FF26C87-47E8-FA48-BED7-177662A1080F}" type="datetimeFigureOut">
               <a:rPr lang="en-US" smtClean="0"/>
-              <a:t>6/29/20</a:t>
+              <a:t>7/1/20</a:t>
             </a:fld>
             <a:endParaRPr lang="en-US"/>
           </a:p>
@@ -2109,7 +2109,7 @@
           <a:p>
             <a:fld id="{2FF26C87-47E8-FA48-BED7-177662A1080F}" type="datetimeFigureOut">
               <a:rPr lang="en-US" smtClean="0"/>
-              <a:t>6/29/20</a:t>
+              <a:t>7/1/20</a:t>
             </a:fld>
             <a:endParaRPr lang="en-US"/>
           </a:p>
@@ -2366,7 +2366,7 @@
           <a:p>
             <a:fld id="{2FF26C87-47E8-FA48-BED7-177662A1080F}" type="datetimeFigureOut">
               <a:rPr lang="en-US" smtClean="0"/>
-              <a:t>6/29/20</a:t>
+              <a:t>7/1/20</a:t>
             </a:fld>
             <a:endParaRPr lang="en-US"/>
           </a:p>
@@ -2579,7 +2579,7 @@
           <a:p>
             <a:fld id="{2FF26C87-47E8-FA48-BED7-177662A1080F}" type="datetimeFigureOut">
               <a:rPr lang="en-US" smtClean="0"/>
-              <a:t>6/29/20</a:t>
+              <a:t>7/1/20</a:t>
             </a:fld>
             <a:endParaRPr lang="en-US"/>
           </a:p>
@@ -2998,7 +2998,7 @@
         </p:nvGrpSpPr>
         <p:grpSpPr>
           <a:xfrm>
-            <a:off x="871200" y="647469"/>
+            <a:off x="817422" y="610146"/>
             <a:ext cx="5924830" cy="5951117"/>
             <a:chOff x="871200" y="647469"/>
             <a:chExt cx="5924830" cy="5951117"/>
@@ -4239,7 +4239,7 @@
                       </a:solidFill>
                       <a:latin typeface="Courier" pitchFamily="2" charset="0"/>
                     </a:rPr>
-                    <a:t>V</a:t>
+                    <a:t>Y</a:t>
                   </a:r>
                 </a:p>
               </p:txBody>
@@ -5137,7 +5137,7 @@
                       </a:solidFill>
                       <a:latin typeface="Courier" pitchFamily="2" charset="0"/>
                     </a:rPr>
-                    <a:t>V</a:t>
+                    <a:t>Y</a:t>
                   </a:r>
                 </a:p>
               </p:txBody>
@@ -5639,7 +5639,7 @@
                       </a:solidFill>
                       <a:latin typeface="Courier" pitchFamily="2" charset="0"/>
                     </a:rPr>
-                    <a:t>V</a:t>
+                    <a:t>Y</a:t>
                   </a:r>
                 </a:p>
               </p:txBody>
@@ -6139,7 +6139,7 @@
                       </a:solidFill>
                       <a:latin typeface="Courier" pitchFamily="2" charset="0"/>
                     </a:rPr>
-                    <a:t>V</a:t>
+                    <a:t>Y</a:t>
                   </a:r>
                 </a:p>
               </p:txBody>
